--- a/doc/DevQA-Framework.pptx
+++ b/doc/DevQA-Framework.pptx
@@ -12846,11 +12846,7 @@
           <a:p>
             <a:r>
               <a:rPr lang="en-US" dirty="0" smtClean="0"/>
-              <a:t>- </a:t>
-            </a:r>
-            <a:r>
-              <a:rPr lang="en-US" dirty="0" smtClean="0"/>
-              <a:t>BDD methodology that fits in DevOps pipeline</a:t>
+              <a:t>- BDD methodology that fits in DevOps pipeline</a:t>
             </a:r>
             <a:endParaRPr lang="en-US" dirty="0"/>
           </a:p>
@@ -13150,7 +13146,11 @@
           <a:p>
             <a:r>
               <a:rPr lang="en-US" dirty="0" smtClean="0"/>
-              <a:t>Testing stages</a:t>
+              <a:t>Testing </a:t>
+            </a:r>
+            <a:r>
+              <a:rPr lang="en-US" dirty="0" smtClean="0"/>
+              <a:t>Stages</a:t>
             </a:r>
             <a:endParaRPr lang="en-US" dirty="0"/>
           </a:p>
@@ -13166,13 +13166,13 @@
             <p:ph idx="1"/>
             <p:extLst>
               <p:ext uri="{D42A27DB-BD31-4B8C-83A1-F6EECF244321}">
-                <p14:modId xmlns:p14="http://schemas.microsoft.com/office/powerpoint/2010/main" val="1175335772"/>
+                <p14:modId xmlns:p14="http://schemas.microsoft.com/office/powerpoint/2010/main" val="302481168"/>
               </p:ext>
             </p:extLst>
           </p:nvPr>
         </p:nvGraphicFramePr>
         <p:xfrm>
-          <a:off x="6773778" y="2286000"/>
+          <a:off x="7736302" y="2286000"/>
           <a:ext cx="4199021" cy="3581400"/>
         </p:xfrm>
         <a:graphic>
@@ -13188,13 +13188,13 @@
           <p:nvPr>
             <p:extLst>
               <p:ext uri="{D42A27DB-BD31-4B8C-83A1-F6EECF244321}">
-                <p14:modId xmlns:p14="http://schemas.microsoft.com/office/powerpoint/2010/main" val="1663055879"/>
+                <p14:modId xmlns:p14="http://schemas.microsoft.com/office/powerpoint/2010/main" val="1274172036"/>
               </p:ext>
             </p:extLst>
           </p:nvPr>
         </p:nvGraphicFramePr>
         <p:xfrm>
-          <a:off x="3128210" y="2286000"/>
+          <a:off x="4090734" y="2286000"/>
           <a:ext cx="4199021" cy="3581401"/>
         </p:xfrm>
         <a:graphic>
@@ -13211,7 +13211,7 @@
         </p:nvSpPr>
         <p:spPr>
           <a:xfrm>
-            <a:off x="3979444" y="1705630"/>
+            <a:off x="4941968" y="1705630"/>
             <a:ext cx="2496552" cy="523220"/>
           </a:xfrm>
           <a:prstGeom prst="rect">
@@ -13242,7 +13242,7 @@
         </p:nvSpPr>
         <p:spPr>
           <a:xfrm>
-            <a:off x="7655090" y="1705630"/>
+            <a:off x="8617614" y="1705630"/>
             <a:ext cx="2436396" cy="523220"/>
           </a:xfrm>
           <a:prstGeom prst="rect">
@@ -13273,8 +13273,8 @@
         </p:nvSpPr>
         <p:spPr>
           <a:xfrm>
-            <a:off x="1600200" y="1967239"/>
-            <a:ext cx="1528010" cy="4337307"/>
+            <a:off x="2526629" y="1967239"/>
+            <a:ext cx="1564105" cy="4337307"/>
           </a:xfrm>
           <a:prstGeom prst="upDownArrow">
             <a:avLst/>
@@ -13326,7 +13326,7 @@
         </p:blipFill>
         <p:spPr>
           <a:xfrm>
-            <a:off x="1973179" y="2017333"/>
+            <a:off x="2935703" y="2017333"/>
             <a:ext cx="771171" cy="631581"/>
           </a:xfrm>
           <a:prstGeom prst="rect">
@@ -13355,7 +13355,7 @@
         </p:blipFill>
         <p:spPr>
           <a:xfrm>
-            <a:off x="1861449" y="5523245"/>
+            <a:off x="2823973" y="5523245"/>
             <a:ext cx="922003" cy="688310"/>
           </a:xfrm>
           <a:prstGeom prst="rect">
@@ -13363,6 +13363,106 @@
           </a:prstGeom>
         </p:spPr>
       </p:pic>
+      <p:sp>
+        <p:nvSpPr>
+          <p:cNvPr id="11" name="Up-Down Arrow 10"/>
+          <p:cNvSpPr/>
+          <p:nvPr/>
+        </p:nvSpPr>
+        <p:spPr>
+          <a:xfrm>
+            <a:off x="915110" y="1967239"/>
+            <a:ext cx="1564105" cy="4337307"/>
+          </a:xfrm>
+          <a:prstGeom prst="upDownArrow">
+            <a:avLst/>
+          </a:prstGeom>
+        </p:spPr>
+        <p:style>
+          <a:lnRef idx="2">
+            <a:schemeClr val="accent1">
+              <a:shade val="50000"/>
+            </a:schemeClr>
+          </a:lnRef>
+          <a:fillRef idx="1">
+            <a:schemeClr val="accent1"/>
+          </a:fillRef>
+          <a:effectRef idx="0">
+            <a:schemeClr val="accent1"/>
+          </a:effectRef>
+          <a:fontRef idx="minor">
+            <a:schemeClr val="lt1"/>
+          </a:fontRef>
+        </p:style>
+        <p:txBody>
+          <a:bodyPr rtlCol="0" anchor="ctr"/>
+          <a:lstStyle/>
+          <a:p>
+            <a:pPr algn="ctr"/>
+            <a:endParaRPr lang="en-US" dirty="0"/>
+          </a:p>
+        </p:txBody>
+      </p:sp>
+      <p:sp>
+        <p:nvSpPr>
+          <p:cNvPr id="3" name="TextBox 2"/>
+          <p:cNvSpPr txBox="1"/>
+          <p:nvPr/>
+        </p:nvSpPr>
+        <p:spPr>
+          <a:xfrm>
+            <a:off x="1335495" y="2333123"/>
+            <a:ext cx="890341" cy="523220"/>
+          </a:xfrm>
+          <a:prstGeom prst="rect">
+            <a:avLst/>
+          </a:prstGeom>
+          <a:noFill/>
+        </p:spPr>
+        <p:txBody>
+          <a:bodyPr wrap="square" rtlCol="0">
+            <a:spAutoFit/>
+          </a:bodyPr>
+          <a:lstStyle/>
+          <a:p>
+            <a:r>
+              <a:rPr lang="en-US" sz="2800" b="1" dirty="0" smtClean="0"/>
+              <a:t>$$$</a:t>
+            </a:r>
+            <a:endParaRPr lang="en-US" sz="2800" b="1" dirty="0"/>
+          </a:p>
+        </p:txBody>
+      </p:sp>
+      <p:sp>
+        <p:nvSpPr>
+          <p:cNvPr id="14" name="TextBox 13"/>
+          <p:cNvSpPr txBox="1"/>
+          <p:nvPr/>
+        </p:nvSpPr>
+        <p:spPr>
+          <a:xfrm>
+            <a:off x="1331483" y="5445294"/>
+            <a:ext cx="890341" cy="523220"/>
+          </a:xfrm>
+          <a:prstGeom prst="rect">
+            <a:avLst/>
+          </a:prstGeom>
+          <a:noFill/>
+        </p:spPr>
+        <p:txBody>
+          <a:bodyPr wrap="square" rtlCol="0">
+            <a:spAutoFit/>
+          </a:bodyPr>
+          <a:lstStyle/>
+          <a:p>
+            <a:r>
+              <a:rPr lang="en-US" sz="2800" b="1" dirty="0" smtClean="0"/>
+              <a:t>¢¢¢</a:t>
+            </a:r>
+            <a:endParaRPr lang="en-US" sz="2800" b="1" dirty="0"/>
+          </a:p>
+        </p:txBody>
+      </p:sp>
     </p:spTree>
     <p:extLst>
       <p:ext uri="{BB962C8B-B14F-4D97-AF65-F5344CB8AC3E}">
@@ -14338,8 +14438,16 @@
           <a:lstStyle/>
           <a:p>
             <a:r>
+              <a:rPr lang="en-US" smtClean="0"/>
+              <a:t>Contribution </a:t>
+            </a:r>
+            <a:r>
+              <a:rPr lang="en-US" smtClean="0"/>
+              <a:t>by 3 </a:t>
+            </a:r>
+            <a:r>
               <a:rPr lang="en-US" dirty="0" smtClean="0"/>
-              <a:t>Contribution of 3 Amigos</a:t>
+              <a:t>Amigos</a:t>
             </a:r>
             <a:endParaRPr lang="en-US" dirty="0"/>
           </a:p>
